--- a/Homework2/FrogClassify/doc/报告-崔浩.pptx
+++ b/Homework2/FrogClassify/doc/报告-崔浩.pptx
@@ -7437,11 +7437,6 @@
               </a:rPr>
               <a:t>衡量特征值之间的距离。</a:t>
             </a:r>
-            <a:endParaRPr lang="zh-CN" altLang="zh-CN" kern="100" dirty="0">
-              <a:latin typeface="等线" panose="02010600030101010101" pitchFamily="2" charset="-122"/>
-              <a:ea typeface="等线" panose="02010600030101010101" pitchFamily="2" charset="-122"/>
-              <a:cs typeface="Times New Roman" panose="02020603050405020304" pitchFamily="18" charset="0"/>
-            </a:endParaRPr>
           </a:p>
         </p:txBody>
       </p:sp>
@@ -9620,7 +9615,7 @@
         </p:blipFill>
         <p:spPr>
           <a:xfrm>
-            <a:off x="578106" y="1321401"/>
+            <a:off x="427186" y="1321401"/>
             <a:ext cx="6397850" cy="4617759"/>
           </a:xfrm>
           <a:prstGeom prst="rect">
